--- a/Presentation1.pptx
+++ b/Presentation1.pptx
@@ -5,13 +5,14 @@
     <p:sldMasterId id="2147483748" r:id="rId1"/>
   </p:sldMasterIdLst>
   <p:notesMasterIdLst>
-    <p:notesMasterId r:id="rId6"/>
+    <p:notesMasterId r:id="rId7"/>
   </p:notesMasterIdLst>
   <p:sldIdLst>
     <p:sldId id="256" r:id="rId2"/>
     <p:sldId id="258" r:id="rId3"/>
     <p:sldId id="257" r:id="rId4"/>
     <p:sldId id="259" r:id="rId5"/>
+    <p:sldId id="260" r:id="rId6"/>
   </p:sldIdLst>
   <p:sldSz cx="12192000" cy="6858000"/>
   <p:notesSz cx="6858000" cy="9144000"/>
@@ -110,6 +111,11 @@
       </a:defRPr>
     </a:lvl9pPr>
   </p:defaultTextStyle>
+  <p:extLst>
+    <p:ext uri="{EFAFB233-063F-42B5-8137-9DF3F51BA10A}">
+      <p15:sldGuideLst xmlns:p15="http://schemas.microsoft.com/office/powerpoint/2012/main"/>
+    </p:ext>
+  </p:extLst>
 </p:presentation>
 </file>
 
@@ -195,7 +201,7 @@
           <a:p>
             <a:fld id="{05CD966F-7400-405E-9D1E-A89E723DD259}" type="datetimeFigureOut">
               <a:rPr lang="en-IN" smtClean="0"/>
-              <a:t>06-03-2020</a:t>
+              <a:t>07-03-2020</a:t>
             </a:fld>
             <a:endParaRPr lang="en-IN"/>
           </a:p>
@@ -678,7 +684,7 @@
           <a:p>
             <a:fld id="{F5A1EE87-458F-4C88-9749-FEEEC27939CF}" type="datetimeFigureOut">
               <a:rPr lang="en-IN" smtClean="0"/>
-              <a:t>06-03-2020</a:t>
+              <a:t>07-03-2020</a:t>
             </a:fld>
             <a:endParaRPr lang="en-IN"/>
           </a:p>
@@ -848,7 +854,7 @@
           <a:p>
             <a:fld id="{F5A1EE87-458F-4C88-9749-FEEEC27939CF}" type="datetimeFigureOut">
               <a:rPr lang="en-IN" smtClean="0"/>
-              <a:t>06-03-2020</a:t>
+              <a:t>07-03-2020</a:t>
             </a:fld>
             <a:endParaRPr lang="en-IN"/>
           </a:p>
@@ -1028,7 +1034,7 @@
           <a:p>
             <a:fld id="{F5A1EE87-458F-4C88-9749-FEEEC27939CF}" type="datetimeFigureOut">
               <a:rPr lang="en-IN" smtClean="0"/>
-              <a:t>06-03-2020</a:t>
+              <a:t>07-03-2020</a:t>
             </a:fld>
             <a:endParaRPr lang="en-IN"/>
           </a:p>
@@ -1198,7 +1204,7 @@
           <a:p>
             <a:fld id="{F5A1EE87-458F-4C88-9749-FEEEC27939CF}" type="datetimeFigureOut">
               <a:rPr lang="en-IN" smtClean="0"/>
-              <a:t>06-03-2020</a:t>
+              <a:t>07-03-2020</a:t>
             </a:fld>
             <a:endParaRPr lang="en-IN"/>
           </a:p>
@@ -1444,7 +1450,7 @@
           <a:p>
             <a:fld id="{F5A1EE87-458F-4C88-9749-FEEEC27939CF}" type="datetimeFigureOut">
               <a:rPr lang="en-IN" smtClean="0"/>
-              <a:t>06-03-2020</a:t>
+              <a:t>07-03-2020</a:t>
             </a:fld>
             <a:endParaRPr lang="en-IN"/>
           </a:p>
@@ -1676,7 +1682,7 @@
           <a:p>
             <a:fld id="{F5A1EE87-458F-4C88-9749-FEEEC27939CF}" type="datetimeFigureOut">
               <a:rPr lang="en-IN" smtClean="0"/>
-              <a:t>06-03-2020</a:t>
+              <a:t>07-03-2020</a:t>
             </a:fld>
             <a:endParaRPr lang="en-IN"/>
           </a:p>
@@ -2043,7 +2049,7 @@
           <a:p>
             <a:fld id="{F5A1EE87-458F-4C88-9749-FEEEC27939CF}" type="datetimeFigureOut">
               <a:rPr lang="en-IN" smtClean="0"/>
-              <a:t>06-03-2020</a:t>
+              <a:t>07-03-2020</a:t>
             </a:fld>
             <a:endParaRPr lang="en-IN"/>
           </a:p>
@@ -2161,7 +2167,7 @@
           <a:p>
             <a:fld id="{F5A1EE87-458F-4C88-9749-FEEEC27939CF}" type="datetimeFigureOut">
               <a:rPr lang="en-IN" smtClean="0"/>
-              <a:t>06-03-2020</a:t>
+              <a:t>07-03-2020</a:t>
             </a:fld>
             <a:endParaRPr lang="en-IN"/>
           </a:p>
@@ -2256,7 +2262,7 @@
           <a:p>
             <a:fld id="{F5A1EE87-458F-4C88-9749-FEEEC27939CF}" type="datetimeFigureOut">
               <a:rPr lang="en-IN" smtClean="0"/>
-              <a:t>06-03-2020</a:t>
+              <a:t>07-03-2020</a:t>
             </a:fld>
             <a:endParaRPr lang="en-IN"/>
           </a:p>
@@ -2533,7 +2539,7 @@
           <a:p>
             <a:fld id="{F5A1EE87-458F-4C88-9749-FEEEC27939CF}" type="datetimeFigureOut">
               <a:rPr lang="en-IN" smtClean="0"/>
-              <a:t>06-03-2020</a:t>
+              <a:t>07-03-2020</a:t>
             </a:fld>
             <a:endParaRPr lang="en-IN"/>
           </a:p>
@@ -2786,7 +2792,7 @@
           <a:p>
             <a:fld id="{F5A1EE87-458F-4C88-9749-FEEEC27939CF}" type="datetimeFigureOut">
               <a:rPr lang="en-IN" smtClean="0"/>
-              <a:t>06-03-2020</a:t>
+              <a:t>07-03-2020</a:t>
             </a:fld>
             <a:endParaRPr lang="en-IN"/>
           </a:p>
@@ -2999,7 +3005,7 @@
           <a:p>
             <a:fld id="{F5A1EE87-458F-4C88-9749-FEEEC27939CF}" type="datetimeFigureOut">
               <a:rPr lang="en-IN" smtClean="0"/>
-              <a:t>06-03-2020</a:t>
+              <a:t>07-03-2020</a:t>
             </a:fld>
             <a:endParaRPr lang="en-IN"/>
           </a:p>
@@ -3412,8 +3418,160 @@
         </p:nvSpPr>
         <p:spPr>
           <a:xfrm>
-            <a:off x="1705838" y="322871"/>
-            <a:ext cx="8170614" cy="4247317"/>
+            <a:off x="2010693" y="1731540"/>
+            <a:ext cx="8170614" cy="3416320"/>
+          </a:xfrm>
+          <a:prstGeom prst="rect">
+            <a:avLst/>
+          </a:prstGeom>
+          <a:noFill/>
+          <a:ln>
+            <a:solidFill>
+              <a:schemeClr val="tx1"/>
+            </a:solidFill>
+          </a:ln>
+        </p:spPr>
+        <p:txBody>
+          <a:bodyPr wrap="square" rtlCol="0">
+            <a:spAutoFit/>
+          </a:bodyPr>
+          <a:lstStyle/>
+          <a:p>
+            <a:endParaRPr lang="en-IN" dirty="0" smtClean="0"/>
+          </a:p>
+          <a:p>
+            <a:pPr marL="285750" indent="-285750">
+              <a:buFont typeface="Arial" panose="020B0604020202020204" pitchFamily="34" charset="0"/>
+              <a:buChar char="•"/>
+            </a:pPr>
+            <a:r>
+              <a:rPr lang="en-IN" dirty="0" smtClean="0"/>
+              <a:t>A </a:t>
+            </a:r>
+            <a:r>
+              <a:rPr lang="en-IN" dirty="0" smtClean="0"/>
+              <a:t>searching </a:t>
+            </a:r>
+            <a:r>
+              <a:rPr lang="en-IN" dirty="0" smtClean="0"/>
+              <a:t>mechanism based on file name and user generated keywords</a:t>
+            </a:r>
+          </a:p>
+          <a:p>
+            <a:pPr marL="285750" indent="-285750">
+              <a:buFont typeface="Arial" panose="020B0604020202020204" pitchFamily="34" charset="0"/>
+              <a:buChar char="•"/>
+            </a:pPr>
+            <a:r>
+              <a:rPr lang="en-IN" dirty="0" smtClean="0"/>
+              <a:t>An algorithm to automatically extract keywords from documents during runtime and evaluate </a:t>
+            </a:r>
+            <a:r>
+              <a:rPr lang="en-IN" dirty="0" smtClean="0"/>
+              <a:t>using </a:t>
+            </a:r>
+            <a:r>
+              <a:rPr lang="en-IN" dirty="0" smtClean="0"/>
+              <a:t>all the keywords as well as the file name</a:t>
+            </a:r>
+          </a:p>
+          <a:p>
+            <a:pPr marL="285750" indent="-285750">
+              <a:buFont typeface="Arial" panose="020B0604020202020204" pitchFamily="34" charset="0"/>
+              <a:buChar char="•"/>
+            </a:pPr>
+            <a:r>
+              <a:rPr lang="en-IN" dirty="0" smtClean="0"/>
+              <a:t>A prediction algorithm which </a:t>
+            </a:r>
+            <a:r>
+              <a:rPr lang="en-IN" dirty="0" smtClean="0"/>
+              <a:t>allows:</a:t>
+            </a:r>
+            <a:endParaRPr lang="en-IN" dirty="0"/>
+          </a:p>
+          <a:p>
+            <a:pPr marL="742950" lvl="1" indent="-285750">
+              <a:buFont typeface="Arial" panose="020B0604020202020204" pitchFamily="34" charset="0"/>
+              <a:buChar char="•"/>
+            </a:pPr>
+            <a:r>
+              <a:rPr lang="en-IN" dirty="0" smtClean="0"/>
+              <a:t>Extraction </a:t>
+            </a:r>
+            <a:r>
+              <a:rPr lang="en-IN" dirty="0" smtClean="0"/>
+              <a:t>of keywords from documents for auto tagging</a:t>
+            </a:r>
+          </a:p>
+          <a:p>
+            <a:pPr marL="742950" lvl="1" indent="-285750">
+              <a:buFont typeface="Arial" panose="020B0604020202020204" pitchFamily="34" charset="0"/>
+              <a:buChar char="•"/>
+            </a:pPr>
+            <a:r>
+              <a:rPr lang="en-IN" dirty="0" smtClean="0"/>
+              <a:t>Prediction </a:t>
+            </a:r>
+            <a:r>
+              <a:rPr lang="en-IN" dirty="0" smtClean="0"/>
+              <a:t>of  the general intent and sentiment of individual files with the </a:t>
+            </a:r>
+            <a:r>
+              <a:rPr lang="en-IN" dirty="0" smtClean="0"/>
+              <a:t>	correct extensions</a:t>
+            </a:r>
+          </a:p>
+          <a:p>
+            <a:pPr marL="742950" lvl="1" indent="-285750">
+              <a:buFont typeface="Arial" panose="020B0604020202020204" pitchFamily="34" charset="0"/>
+              <a:buChar char="•"/>
+            </a:pPr>
+            <a:r>
+              <a:rPr lang="en-IN" dirty="0" smtClean="0"/>
+              <a:t>Ranking </a:t>
+            </a:r>
+            <a:r>
+              <a:rPr lang="en-IN" dirty="0" smtClean="0"/>
+              <a:t>files on the basis of scores computed using these </a:t>
+            </a:r>
+            <a:r>
+              <a:rPr lang="en-IN" dirty="0" smtClean="0"/>
+              <a:t>methods</a:t>
+            </a:r>
+          </a:p>
+          <a:p>
+            <a:pPr marL="742950" lvl="1" indent="-285750">
+              <a:buFont typeface="Arial" panose="020B0604020202020204" pitchFamily="34" charset="0"/>
+              <a:buChar char="•"/>
+            </a:pPr>
+            <a:r>
+              <a:rPr lang="en-IN" dirty="0" smtClean="0"/>
+              <a:t>Sorting </a:t>
+            </a:r>
+            <a:r>
+              <a:rPr lang="en-IN" dirty="0" smtClean="0"/>
+              <a:t>the files based on their ranks and displaying them</a:t>
+            </a:r>
+          </a:p>
+          <a:p>
+            <a:endParaRPr lang="en-IN" dirty="0" smtClean="0"/>
+          </a:p>
+          <a:p>
+            <a:endParaRPr lang="en-IN" dirty="0"/>
+          </a:p>
+        </p:txBody>
+      </p:sp>
+      <p:sp>
+        <p:nvSpPr>
+          <p:cNvPr id="2" name="TextBox 1"/>
+          <p:cNvSpPr txBox="1"/>
+          <p:nvPr/>
+        </p:nvSpPr>
+        <p:spPr>
+          <a:xfrm>
+            <a:off x="4998328" y="172995"/>
+            <a:ext cx="2195345" cy="646331"/>
           </a:xfrm>
           <a:prstGeom prst="rect">
             <a:avLst/>
@@ -3421,107 +3579,16 @@
           <a:noFill/>
         </p:spPr>
         <p:txBody>
-          <a:bodyPr wrap="square" rtlCol="0">
+          <a:bodyPr wrap="none" rtlCol="0">
             <a:spAutoFit/>
           </a:bodyPr>
           <a:lstStyle/>
           <a:p>
             <a:r>
-              <a:rPr lang="en-IN" dirty="0" smtClean="0"/>
-              <a:t>Interpreted Objectives:</a:t>
-            </a:r>
-          </a:p>
-          <a:p>
-            <a:endParaRPr lang="en-IN" dirty="0" smtClean="0"/>
-          </a:p>
-          <a:p>
-            <a:pPr marL="285750" indent="-285750">
-              <a:buFont typeface="Arial" panose="020B0604020202020204" pitchFamily="34" charset="0"/>
-              <a:buChar char="•"/>
-            </a:pPr>
-            <a:r>
-              <a:rPr lang="en-IN" dirty="0" smtClean="0"/>
-              <a:t>A simple and quick searching mechanism based on file name and user generated keywords</a:t>
-            </a:r>
-          </a:p>
-          <a:p>
-            <a:pPr marL="285750" indent="-285750">
-              <a:buFont typeface="Arial" panose="020B0604020202020204" pitchFamily="34" charset="0"/>
-              <a:buChar char="•"/>
-            </a:pPr>
-            <a:r>
-              <a:rPr lang="en-IN" dirty="0" smtClean="0"/>
-              <a:t>An algorithm to automatically extract keywords from documents during runtime and evaluate files on the basis of scores computed using all the keywords as well as the file name</a:t>
-            </a:r>
-          </a:p>
-          <a:p>
-            <a:pPr marL="285750" indent="-285750">
-              <a:buFont typeface="Arial" panose="020B0604020202020204" pitchFamily="34" charset="0"/>
-              <a:buChar char="•"/>
-            </a:pPr>
-            <a:r>
-              <a:rPr lang="en-IN" dirty="0" smtClean="0"/>
-              <a:t>A prediction algorithm which allows:</a:t>
-            </a:r>
-          </a:p>
-          <a:p>
-            <a:pPr marL="285750" indent="-285750">
-              <a:buFont typeface="Arial" panose="020B0604020202020204" pitchFamily="34" charset="0"/>
-              <a:buChar char="•"/>
-            </a:pPr>
-            <a:r>
-              <a:rPr lang="en-IN" dirty="0"/>
-              <a:t>	</a:t>
-            </a:r>
-            <a:r>
-              <a:rPr lang="en-IN" dirty="0" smtClean="0"/>
-              <a:t>Extraction of keywords from documents for auto tagging</a:t>
-            </a:r>
-          </a:p>
-          <a:p>
-            <a:pPr marL="285750" indent="-285750">
-              <a:buFont typeface="Arial" panose="020B0604020202020204" pitchFamily="34" charset="0"/>
-              <a:buChar char="•"/>
-            </a:pPr>
-            <a:r>
-              <a:rPr lang="en-IN" dirty="0"/>
-              <a:t>	</a:t>
-            </a:r>
-            <a:r>
-              <a:rPr lang="en-IN" dirty="0" smtClean="0"/>
-              <a:t>Prediction of  the general intent and sentiment of individual files with the correct extensions</a:t>
-            </a:r>
-            <a:endParaRPr lang="en-IN" dirty="0"/>
-          </a:p>
-          <a:p>
-            <a:pPr marL="285750" indent="-285750">
-              <a:buFont typeface="Arial" panose="020B0604020202020204" pitchFamily="34" charset="0"/>
-              <a:buChar char="•"/>
-            </a:pPr>
-            <a:r>
-              <a:rPr lang="en-IN" dirty="0" smtClean="0"/>
-              <a:t>	Ranking files on the basis of scores computed using these methods</a:t>
-            </a:r>
-          </a:p>
-          <a:p>
-            <a:pPr marL="285750" indent="-285750">
-              <a:buFont typeface="Arial" panose="020B0604020202020204" pitchFamily="34" charset="0"/>
-              <a:buChar char="•"/>
-            </a:pPr>
-            <a:r>
-              <a:rPr lang="en-IN" dirty="0"/>
-              <a:t>	</a:t>
-            </a:r>
-            <a:r>
-              <a:rPr lang="en-IN" dirty="0" smtClean="0"/>
-              <a:t>Sorting the files based on their ranks and displaying them</a:t>
-            </a:r>
-          </a:p>
-          <a:p>
-            <a:endParaRPr lang="en-IN" dirty="0" smtClean="0"/>
-          </a:p>
-          <a:p>
-            <a:endParaRPr lang="en-IN" dirty="0"/>
+              <a:rPr lang="en-IN" sz="3600" b="1" dirty="0" smtClean="0"/>
+              <a:t>Objectives</a:t>
+            </a:r>
+            <a:endParaRPr lang="en-IN" sz="3600" b="1" dirty="0"/>
           </a:p>
         </p:txBody>
       </p:sp>
@@ -4075,8 +4142,8 @@
               <a:t>User Selects an appropriate </a:t>
             </a:r>
             <a:r>
-              <a:rPr lang="en-IN" sz="1600" dirty="0" err="1" smtClean="0"/>
-              <a:t>extention</a:t>
+              <a:rPr lang="en-IN" sz="1600" dirty="0" smtClean="0"/>
+              <a:t>extension</a:t>
             </a:r>
             <a:endParaRPr lang="en-IN" sz="1600" dirty="0" smtClean="0"/>
           </a:p>
@@ -4194,6 +4261,194 @@
     <p:extLst>
       <p:ext uri="{BB962C8B-B14F-4D97-AF65-F5344CB8AC3E}">
         <p14:creationId xmlns:p14="http://schemas.microsoft.com/office/powerpoint/2010/main" val="3646364789"/>
+      </p:ext>
+    </p:extLst>
+  </p:cSld>
+  <p:clrMapOvr>
+    <a:masterClrMapping/>
+  </p:clrMapOvr>
+</p:sld>
+</file>
+
+<file path=ppt/slides/slide5.xml><?xml version="1.0" encoding="utf-8"?>
+<p:sld xmlns:a="http://schemas.openxmlformats.org/drawingml/2006/main" xmlns:r="http://schemas.openxmlformats.org/officeDocument/2006/relationships" xmlns:p="http://schemas.openxmlformats.org/presentationml/2006/main">
+  <p:cSld>
+    <p:spTree>
+      <p:nvGrpSpPr>
+        <p:cNvPr id="1" name=""/>
+        <p:cNvGrpSpPr/>
+        <p:nvPr/>
+      </p:nvGrpSpPr>
+      <p:grpSpPr>
+        <a:xfrm>
+          <a:off x="0" y="0"/>
+          <a:ext cx="0" cy="0"/>
+          <a:chOff x="0" y="0"/>
+          <a:chExt cx="0" cy="0"/>
+        </a:xfrm>
+      </p:grpSpPr>
+      <p:sp>
+        <p:nvSpPr>
+          <p:cNvPr id="3" name="TextBox 2"/>
+          <p:cNvSpPr txBox="1"/>
+          <p:nvPr/>
+        </p:nvSpPr>
+        <p:spPr>
+          <a:xfrm>
+            <a:off x="3325610" y="19458"/>
+            <a:ext cx="5540780" cy="1077218"/>
+          </a:xfrm>
+          <a:prstGeom prst="rect">
+            <a:avLst/>
+          </a:prstGeom>
+          <a:noFill/>
+        </p:spPr>
+        <p:txBody>
+          <a:bodyPr wrap="square" rtlCol="0">
+            <a:spAutoFit/>
+          </a:bodyPr>
+          <a:lstStyle/>
+          <a:p>
+            <a:pPr algn="ctr"/>
+            <a:r>
+              <a:rPr lang="en-IN" sz="3200" dirty="0" smtClean="0"/>
+              <a:t>Advanced Implementation </a:t>
+            </a:r>
+            <a:r>
+              <a:rPr lang="en-IN" sz="3200" b="1" u="sng" dirty="0" smtClean="0"/>
+              <a:t> </a:t>
+            </a:r>
+            <a:endParaRPr lang="en-IN" sz="3200" b="1" u="sng" dirty="0" smtClean="0"/>
+          </a:p>
+          <a:p>
+            <a:pPr algn="ctr"/>
+            <a:r>
+              <a:rPr lang="en-IN" sz="3200" b="1" u="sng" dirty="0" smtClean="0">
+                <a:latin typeface="Arial Black" panose="020B0A04020102020204" pitchFamily="34" charset="0"/>
+              </a:rPr>
+              <a:t>The </a:t>
+            </a:r>
+            <a:r>
+              <a:rPr lang="en-IN" sz="3200" b="1" u="sng" dirty="0" smtClean="0">
+                <a:latin typeface="Arial Black" panose="020B0A04020102020204" pitchFamily="34" charset="0"/>
+              </a:rPr>
+              <a:t>Predictor</a:t>
+            </a:r>
+            <a:endParaRPr lang="en-IN" sz="3200" b="1" u="sng" dirty="0">
+              <a:latin typeface="Arial Black" panose="020B0A04020102020204" pitchFamily="34" charset="0"/>
+            </a:endParaRPr>
+          </a:p>
+        </p:txBody>
+      </p:sp>
+      <p:sp>
+        <p:nvSpPr>
+          <p:cNvPr id="6" name="TextBox 5"/>
+          <p:cNvSpPr txBox="1"/>
+          <p:nvPr/>
+        </p:nvSpPr>
+        <p:spPr>
+          <a:xfrm>
+            <a:off x="1047776" y="1944934"/>
+            <a:ext cx="5948113" cy="2893100"/>
+          </a:xfrm>
+          <a:prstGeom prst="rect">
+            <a:avLst/>
+          </a:prstGeom>
+          <a:noFill/>
+        </p:spPr>
+        <p:txBody>
+          <a:bodyPr wrap="square" rtlCol="0">
+            <a:spAutoFit/>
+          </a:bodyPr>
+          <a:lstStyle/>
+          <a:p>
+            <a:pPr marL="342900" indent="-342900">
+              <a:buFont typeface="+mj-lt"/>
+              <a:buAutoNum type="arabicPeriod"/>
+            </a:pPr>
+            <a:endParaRPr lang="en-IN" sz="1600" dirty="0"/>
+          </a:p>
+          <a:p>
+            <a:endParaRPr lang="en-IN" sz="1600" dirty="0" smtClean="0"/>
+          </a:p>
+          <a:p>
+            <a:r>
+              <a:rPr lang="en-IN" sz="1600" dirty="0" smtClean="0"/>
+              <a:t>This implementation is the </a:t>
+            </a:r>
+            <a:r>
+              <a:rPr lang="en-IN" sz="1600" dirty="0" smtClean="0"/>
+              <a:t>most compute </a:t>
+            </a:r>
+            <a:r>
+              <a:rPr lang="en-IN" sz="1600" dirty="0" smtClean="0"/>
+              <a:t>intensive as we </a:t>
+            </a:r>
+            <a:r>
+              <a:rPr lang="en-IN" sz="1600" dirty="0" smtClean="0"/>
+              <a:t>dive </a:t>
+            </a:r>
+            <a:r>
+              <a:rPr lang="en-IN" sz="1600" dirty="0" smtClean="0"/>
+              <a:t>into the content of each </a:t>
+            </a:r>
+            <a:r>
+              <a:rPr lang="en-IN" sz="1600" dirty="0" smtClean="0"/>
+              <a:t>file fo</a:t>
+            </a:r>
+            <a:r>
+              <a:rPr lang="en-IN" sz="1600" dirty="0" smtClean="0"/>
+              <a:t>r keywords extraction and tag generations.</a:t>
+            </a:r>
+          </a:p>
+          <a:p>
+            <a:r>
+              <a:rPr lang="en-IN" sz="1600" dirty="0" smtClean="0"/>
+              <a:t>We also take the content of the file to predict the intent and sentiment of the general document and try correlating the search quarry and the documents</a:t>
+            </a:r>
+            <a:endParaRPr lang="en-IN" sz="1600" dirty="0" smtClean="0"/>
+          </a:p>
+          <a:p>
+            <a:endParaRPr lang="en-IN" sz="1600" dirty="0" smtClean="0"/>
+          </a:p>
+          <a:p>
+            <a:endParaRPr lang="en-IN" dirty="0"/>
+          </a:p>
+          <a:p>
+            <a:endParaRPr lang="en-IN" dirty="0" smtClean="0"/>
+          </a:p>
+          <a:p>
+            <a:endParaRPr lang="en-IN" dirty="0"/>
+          </a:p>
+        </p:txBody>
+      </p:sp>
+      <p:pic>
+        <p:nvPicPr>
+          <p:cNvPr id="4" name="Picture 3"/>
+          <p:cNvPicPr>
+            <a:picLocks noChangeAspect="1"/>
+          </p:cNvPicPr>
+          <p:nvPr/>
+        </p:nvPicPr>
+        <p:blipFill rotWithShape="1">
+          <a:blip r:embed="rId2"/>
+          <a:srcRect l="2918"/>
+          <a:stretch/>
+        </p:blipFill>
+        <p:spPr>
+          <a:xfrm>
+            <a:off x="8526163" y="130915"/>
+            <a:ext cx="3558746" cy="6521139"/>
+          </a:xfrm>
+          <a:prstGeom prst="rect">
+            <a:avLst/>
+          </a:prstGeom>
+        </p:spPr>
+      </p:pic>
+    </p:spTree>
+    <p:extLst>
+      <p:ext uri="{BB962C8B-B14F-4D97-AF65-F5344CB8AC3E}">
+        <p14:creationId xmlns:p14="http://schemas.microsoft.com/office/powerpoint/2010/main" val="158671905"/>
       </p:ext>
     </p:extLst>
   </p:cSld>
